--- a/CHEME_Final_Presentation.pptx
+++ b/CHEME_Final_Presentation.pptx
@@ -453,7 +453,7 @@
           <a:p>
             <a:fld id="{72020E15-A715-4EDE-9F66-BA235CAF9552}" type="datetimeFigureOut">
               <a:rPr lang="en-US" smtClean="0"/>
-              <a:t>3/14/22</a:t>
+              <a:t>3/15/2022</a:t>
             </a:fld>
             <a:endParaRPr lang="en-US"/>
           </a:p>
@@ -1541,7 +1541,7 @@
           <a:p>
             <a:fld id="{72020E15-A715-4EDE-9F66-BA235CAF9552}" type="datetimeFigureOut">
               <a:rPr lang="en-US" smtClean="0"/>
-              <a:t>3/14/22</a:t>
+              <a:t>3/15/2022</a:t>
             </a:fld>
             <a:endParaRPr lang="en-US"/>
           </a:p>
@@ -2521,7 +2521,7 @@
           <a:p>
             <a:fld id="{72020E15-A715-4EDE-9F66-BA235CAF9552}" type="datetimeFigureOut">
               <a:rPr lang="en-US" smtClean="0"/>
-              <a:t>3/14/22</a:t>
+              <a:t>3/15/2022</a:t>
             </a:fld>
             <a:endParaRPr lang="en-US"/>
           </a:p>
@@ -3655,7 +3655,7 @@
           <a:p>
             <a:fld id="{72020E15-A715-4EDE-9F66-BA235CAF9552}" type="datetimeFigureOut">
               <a:rPr lang="en-US" smtClean="0"/>
-              <a:t>3/14/22</a:t>
+              <a:t>3/15/2022</a:t>
             </a:fld>
             <a:endParaRPr lang="en-US"/>
           </a:p>
@@ -4688,7 +4688,7 @@
           <a:p>
             <a:fld id="{72020E15-A715-4EDE-9F66-BA235CAF9552}" type="datetimeFigureOut">
               <a:rPr lang="en-US" smtClean="0"/>
-              <a:t>3/14/22</a:t>
+              <a:t>3/15/2022</a:t>
             </a:fld>
             <a:endParaRPr lang="en-US"/>
           </a:p>
@@ -5348,7 +5348,7 @@
           <a:p>
             <a:fld id="{72020E15-A715-4EDE-9F66-BA235CAF9552}" type="datetimeFigureOut">
               <a:rPr lang="en-US" smtClean="0"/>
-              <a:t>3/14/22</a:t>
+              <a:t>3/15/2022</a:t>
             </a:fld>
             <a:endParaRPr lang="en-US"/>
           </a:p>
@@ -6209,7 +6209,7 @@
           <a:p>
             <a:fld id="{72020E15-A715-4EDE-9F66-BA235CAF9552}" type="datetimeFigureOut">
               <a:rPr lang="en-US" smtClean="0"/>
-              <a:t>3/14/22</a:t>
+              <a:t>3/15/2022</a:t>
             </a:fld>
             <a:endParaRPr lang="en-US"/>
           </a:p>
@@ -6399,7 +6399,7 @@
           <a:p>
             <a:fld id="{72020E15-A715-4EDE-9F66-BA235CAF9552}" type="datetimeFigureOut">
               <a:rPr lang="en-US" smtClean="0"/>
-              <a:t>3/14/22</a:t>
+              <a:t>3/15/2022</a:t>
             </a:fld>
             <a:endParaRPr lang="en-US"/>
           </a:p>
@@ -7371,7 +7371,7 @@
           <a:p>
             <a:fld id="{72020E15-A715-4EDE-9F66-BA235CAF9552}" type="datetimeFigureOut">
               <a:rPr lang="en-US" smtClean="0"/>
-              <a:t>3/14/22</a:t>
+              <a:t>3/15/2022</a:t>
             </a:fld>
             <a:endParaRPr lang="en-US"/>
           </a:p>
@@ -7582,7 +7582,7 @@
           <a:p>
             <a:fld id="{72020E15-A715-4EDE-9F66-BA235CAF9552}" type="datetimeFigureOut">
               <a:rPr lang="en-US" smtClean="0"/>
-              <a:t>3/14/22</a:t>
+              <a:t>3/15/2022</a:t>
             </a:fld>
             <a:endParaRPr lang="en-US"/>
           </a:p>
@@ -8616,7 +8616,7 @@
           <a:p>
             <a:fld id="{72020E15-A715-4EDE-9F66-BA235CAF9552}" type="datetimeFigureOut">
               <a:rPr lang="en-US" smtClean="0"/>
-              <a:t>3/14/22</a:t>
+              <a:t>3/15/2022</a:t>
             </a:fld>
             <a:endParaRPr lang="en-US"/>
           </a:p>
@@ -8888,7 +8888,7 @@
           <a:p>
             <a:fld id="{72020E15-A715-4EDE-9F66-BA235CAF9552}" type="datetimeFigureOut">
               <a:rPr lang="en-US" smtClean="0"/>
-              <a:t>3/14/22</a:t>
+              <a:t>3/15/2022</a:t>
             </a:fld>
             <a:endParaRPr lang="en-US"/>
           </a:p>
@@ -9298,7 +9298,7 @@
           <a:p>
             <a:fld id="{72020E15-A715-4EDE-9F66-BA235CAF9552}" type="datetimeFigureOut">
               <a:rPr lang="en-US" smtClean="0"/>
-              <a:t>3/14/22</a:t>
+              <a:t>3/15/2022</a:t>
             </a:fld>
             <a:endParaRPr lang="en-US"/>
           </a:p>
@@ -9425,7 +9425,7 @@
           <a:p>
             <a:fld id="{72020E15-A715-4EDE-9F66-BA235CAF9552}" type="datetimeFigureOut">
               <a:rPr lang="en-US" smtClean="0"/>
-              <a:t>3/14/22</a:t>
+              <a:t>3/15/2022</a:t>
             </a:fld>
             <a:endParaRPr lang="en-US"/>
           </a:p>
@@ -9520,7 +9520,7 @@
           <a:p>
             <a:fld id="{72020E15-A715-4EDE-9F66-BA235CAF9552}" type="datetimeFigureOut">
               <a:rPr lang="en-US" smtClean="0"/>
-              <a:t>3/14/22</a:t>
+              <a:t>3/15/2022</a:t>
             </a:fld>
             <a:endParaRPr lang="en-US"/>
           </a:p>
@@ -10601,7 +10601,7 @@
           <a:p>
             <a:fld id="{72020E15-A715-4EDE-9F66-BA235CAF9552}" type="datetimeFigureOut">
               <a:rPr lang="en-US" smtClean="0"/>
-              <a:t>3/14/22</a:t>
+              <a:t>3/15/2022</a:t>
             </a:fld>
             <a:endParaRPr lang="en-US"/>
           </a:p>
@@ -11709,7 +11709,7 @@
           <a:p>
             <a:fld id="{72020E15-A715-4EDE-9F66-BA235CAF9552}" type="datetimeFigureOut">
               <a:rPr lang="en-US" smtClean="0"/>
-              <a:t>3/14/22</a:t>
+              <a:t>3/15/2022</a:t>
             </a:fld>
             <a:endParaRPr lang="en-US"/>
           </a:p>
@@ -12706,7 +12706,7 @@
           <a:p>
             <a:fld id="{72020E15-A715-4EDE-9F66-BA235CAF9552}" type="datetimeFigureOut">
               <a:rPr lang="en-US" smtClean="0"/>
-              <a:t>3/14/22</a:t>
+              <a:t>3/15/2022</a:t>
             </a:fld>
             <a:endParaRPr lang="en-US"/>
           </a:p>
@@ -13422,8 +13422,8 @@
         </p:nvSpPr>
         <p:spPr>
           <a:xfrm>
-            <a:off x="1666875" y="2463759"/>
-            <a:ext cx="7639050" cy="813815"/>
+            <a:off x="2417373" y="2466506"/>
+            <a:ext cx="843412" cy="813815"/>
           </a:xfrm>
           <a:prstGeom prst="rect">
             <a:avLst/>
@@ -13816,6 +13816,110 @@
               <a:rPr lang="en-US" dirty="0"/>
               <a:t>Target</a:t>
             </a:r>
+          </a:p>
+        </p:txBody>
+      </p:sp>
+      <p:sp>
+        <p:nvSpPr>
+          <p:cNvPr id="11" name="Rectangle 10">
+            <a:extLst>
+              <a:ext uri="{FF2B5EF4-FFF2-40B4-BE49-F238E27FC236}">
+                <a16:creationId xmlns:a16="http://schemas.microsoft.com/office/drawing/2014/main" id="{F485904C-A433-4161-839C-CDA5376B1E59}"/>
+              </a:ext>
+            </a:extLst>
+          </p:cNvPr>
+          <p:cNvSpPr/>
+          <p:nvPr/>
+        </p:nvSpPr>
+        <p:spPr>
+          <a:xfrm>
+            <a:off x="3912169" y="2447138"/>
+            <a:ext cx="843412" cy="813815"/>
+          </a:xfrm>
+          <a:prstGeom prst="rect">
+            <a:avLst/>
+          </a:prstGeom>
+          <a:noFill/>
+          <a:ln w="50800">
+            <a:solidFill>
+              <a:srgbClr val="0070C0"/>
+            </a:solidFill>
+          </a:ln>
+        </p:spPr>
+        <p:style>
+          <a:lnRef idx="2">
+            <a:schemeClr val="accent1">
+              <a:shade val="50000"/>
+            </a:schemeClr>
+          </a:lnRef>
+          <a:fillRef idx="1">
+            <a:schemeClr val="accent1"/>
+          </a:fillRef>
+          <a:effectRef idx="0">
+            <a:schemeClr val="accent1"/>
+          </a:effectRef>
+          <a:fontRef idx="minor">
+            <a:schemeClr val="lt1"/>
+          </a:fontRef>
+        </p:style>
+        <p:txBody>
+          <a:bodyPr rtlCol="0" anchor="ctr"/>
+          <a:lstStyle/>
+          <a:p>
+            <a:pPr algn="ctr"/>
+            <a:endParaRPr lang="en-US"/>
+          </a:p>
+        </p:txBody>
+      </p:sp>
+      <p:sp>
+        <p:nvSpPr>
+          <p:cNvPr id="12" name="Rectangle 11">
+            <a:extLst>
+              <a:ext uri="{FF2B5EF4-FFF2-40B4-BE49-F238E27FC236}">
+                <a16:creationId xmlns:a16="http://schemas.microsoft.com/office/drawing/2014/main" id="{1A19E1A4-E3E9-4D84-B3AE-12A51C6C86E5}"/>
+              </a:ext>
+            </a:extLst>
+          </p:cNvPr>
+          <p:cNvSpPr/>
+          <p:nvPr/>
+        </p:nvSpPr>
+        <p:spPr>
+          <a:xfrm>
+            <a:off x="5535660" y="2476566"/>
+            <a:ext cx="3030370" cy="813815"/>
+          </a:xfrm>
+          <a:prstGeom prst="rect">
+            <a:avLst/>
+          </a:prstGeom>
+          <a:noFill/>
+          <a:ln w="50800">
+            <a:solidFill>
+              <a:srgbClr val="0070C0"/>
+            </a:solidFill>
+          </a:ln>
+        </p:spPr>
+        <p:style>
+          <a:lnRef idx="2">
+            <a:schemeClr val="accent1">
+              <a:shade val="50000"/>
+            </a:schemeClr>
+          </a:lnRef>
+          <a:fillRef idx="1">
+            <a:schemeClr val="accent1"/>
+          </a:fillRef>
+          <a:effectRef idx="0">
+            <a:schemeClr val="accent1"/>
+          </a:effectRef>
+          <a:fontRef idx="minor">
+            <a:schemeClr val="lt1"/>
+          </a:fontRef>
+        </p:style>
+        <p:txBody>
+          <a:bodyPr rtlCol="0" anchor="ctr"/>
+          <a:lstStyle/>
+          <a:p>
+            <a:pPr algn="ctr"/>
+            <a:endParaRPr lang="en-US"/>
           </a:p>
         </p:txBody>
       </p:sp>
